--- a/Lessons/材料高通量制备与表征/final_homework/pic_maker.pptx
+++ b/Lessons/材料高通量制备与表征/final_homework/pic_maker.pptx
@@ -115,6 +115,11 @@
       </a:defRPr>
     </a:lvl9pPr>
   </p:defaultTextStyle>
+  <p:extLst>
+    <p:ext uri="{EFAFB233-063F-42B5-8137-9DF3F51BA10A}">
+      <p15:sldGuideLst xmlns:p15="http://schemas.microsoft.com/office/powerpoint/2012/main"/>
+    </p:ext>
+  </p:extLst>
 </p:presentation>
 </file>
 
@@ -265,7 +270,7 @@
           <a:p>
             <a:fld id="{E7CB6E30-F9A3-4F17-BED4-8EE672D3DDEC}" type="datetimeFigureOut">
               <a:rPr lang="zh-CN" altLang="en-US" smtClean="0"/>
-              <a:t>2018/6/23 Saturday</a:t>
+              <a:t>2018/6/24 Sunday</a:t>
             </a:fld>
             <a:endParaRPr lang="zh-CN" altLang="en-US"/>
           </a:p>
@@ -463,7 +468,7 @@
           <a:p>
             <a:fld id="{E7CB6E30-F9A3-4F17-BED4-8EE672D3DDEC}" type="datetimeFigureOut">
               <a:rPr lang="zh-CN" altLang="en-US" smtClean="0"/>
-              <a:t>2018/6/23 Saturday</a:t>
+              <a:t>2018/6/24 Sunday</a:t>
             </a:fld>
             <a:endParaRPr lang="zh-CN" altLang="en-US"/>
           </a:p>
@@ -671,7 +676,7 @@
           <a:p>
             <a:fld id="{E7CB6E30-F9A3-4F17-BED4-8EE672D3DDEC}" type="datetimeFigureOut">
               <a:rPr lang="zh-CN" altLang="en-US" smtClean="0"/>
-              <a:t>2018/6/23 Saturday</a:t>
+              <a:t>2018/6/24 Sunday</a:t>
             </a:fld>
             <a:endParaRPr lang="zh-CN" altLang="en-US"/>
           </a:p>
@@ -869,7 +874,7 @@
           <a:p>
             <a:fld id="{E7CB6E30-F9A3-4F17-BED4-8EE672D3DDEC}" type="datetimeFigureOut">
               <a:rPr lang="zh-CN" altLang="en-US" smtClean="0"/>
-              <a:t>2018/6/23 Saturday</a:t>
+              <a:t>2018/6/24 Sunday</a:t>
             </a:fld>
             <a:endParaRPr lang="zh-CN" altLang="en-US"/>
           </a:p>
@@ -1144,7 +1149,7 @@
           <a:p>
             <a:fld id="{E7CB6E30-F9A3-4F17-BED4-8EE672D3DDEC}" type="datetimeFigureOut">
               <a:rPr lang="zh-CN" altLang="en-US" smtClean="0"/>
-              <a:t>2018/6/23 Saturday</a:t>
+              <a:t>2018/6/24 Sunday</a:t>
             </a:fld>
             <a:endParaRPr lang="zh-CN" altLang="en-US"/>
           </a:p>
@@ -1409,7 +1414,7 @@
           <a:p>
             <a:fld id="{E7CB6E30-F9A3-4F17-BED4-8EE672D3DDEC}" type="datetimeFigureOut">
               <a:rPr lang="zh-CN" altLang="en-US" smtClean="0"/>
-              <a:t>2018/6/23 Saturday</a:t>
+              <a:t>2018/6/24 Sunday</a:t>
             </a:fld>
             <a:endParaRPr lang="zh-CN" altLang="en-US"/>
           </a:p>
@@ -1821,7 +1826,7 @@
           <a:p>
             <a:fld id="{E7CB6E30-F9A3-4F17-BED4-8EE672D3DDEC}" type="datetimeFigureOut">
               <a:rPr lang="zh-CN" altLang="en-US" smtClean="0"/>
-              <a:t>2018/6/23 Saturday</a:t>
+              <a:t>2018/6/24 Sunday</a:t>
             </a:fld>
             <a:endParaRPr lang="zh-CN" altLang="en-US"/>
           </a:p>
@@ -1962,7 +1967,7 @@
           <a:p>
             <a:fld id="{E7CB6E30-F9A3-4F17-BED4-8EE672D3DDEC}" type="datetimeFigureOut">
               <a:rPr lang="zh-CN" altLang="en-US" smtClean="0"/>
-              <a:t>2018/6/23 Saturday</a:t>
+              <a:t>2018/6/24 Sunday</a:t>
             </a:fld>
             <a:endParaRPr lang="zh-CN" altLang="en-US"/>
           </a:p>
@@ -2075,7 +2080,7 @@
           <a:p>
             <a:fld id="{E7CB6E30-F9A3-4F17-BED4-8EE672D3DDEC}" type="datetimeFigureOut">
               <a:rPr lang="zh-CN" altLang="en-US" smtClean="0"/>
-              <a:t>2018/6/23 Saturday</a:t>
+              <a:t>2018/6/24 Sunday</a:t>
             </a:fld>
             <a:endParaRPr lang="zh-CN" altLang="en-US"/>
           </a:p>
@@ -2386,7 +2391,7 @@
           <a:p>
             <a:fld id="{E7CB6E30-F9A3-4F17-BED4-8EE672D3DDEC}" type="datetimeFigureOut">
               <a:rPr lang="zh-CN" altLang="en-US" smtClean="0"/>
-              <a:t>2018/6/23 Saturday</a:t>
+              <a:t>2018/6/24 Sunday</a:t>
             </a:fld>
             <a:endParaRPr lang="zh-CN" altLang="en-US"/>
           </a:p>
@@ -2674,7 +2679,7 @@
           <a:p>
             <a:fld id="{E7CB6E30-F9A3-4F17-BED4-8EE672D3DDEC}" type="datetimeFigureOut">
               <a:rPr lang="zh-CN" altLang="en-US" smtClean="0"/>
-              <a:t>2018/6/23 Saturday</a:t>
+              <a:t>2018/6/24 Sunday</a:t>
             </a:fld>
             <a:endParaRPr lang="zh-CN" altLang="en-US"/>
           </a:p>
@@ -2915,7 +2920,7 @@
           <a:p>
             <a:fld id="{E7CB6E30-F9A3-4F17-BED4-8EE672D3DDEC}" type="datetimeFigureOut">
               <a:rPr lang="zh-CN" altLang="en-US" smtClean="0"/>
-              <a:t>2018/6/23 Saturday</a:t>
+              <a:t>2018/6/24 Sunday</a:t>
             </a:fld>
             <a:endParaRPr lang="zh-CN" altLang="en-US"/>
           </a:p>
@@ -3625,6 +3630,277 @@
           <a:chExt cx="0" cy="0"/>
         </a:xfrm>
       </p:grpSpPr>
+      <p:grpSp>
+        <p:nvGrpSpPr>
+          <p:cNvPr id="7" name="组合 6">
+            <a:extLst>
+              <a:ext uri="{FF2B5EF4-FFF2-40B4-BE49-F238E27FC236}">
+                <a16:creationId xmlns:a16="http://schemas.microsoft.com/office/drawing/2014/main" id="{E16D359A-2F07-4397-974C-D02F2F082BEB}"/>
+              </a:ext>
+            </a:extLst>
+          </p:cNvPr>
+          <p:cNvGrpSpPr/>
+          <p:nvPr/>
+        </p:nvGrpSpPr>
+        <p:grpSpPr>
+          <a:xfrm>
+            <a:off x="0" y="0"/>
+            <a:ext cx="8858004" cy="6122056"/>
+            <a:chOff x="0" y="0"/>
+            <a:chExt cx="8858004" cy="6122056"/>
+          </a:xfrm>
+        </p:grpSpPr>
+        <p:pic>
+          <p:nvPicPr>
+            <p:cNvPr id="2" name="图片 1">
+              <a:extLst>
+                <a:ext uri="{FF2B5EF4-FFF2-40B4-BE49-F238E27FC236}">
+                  <a16:creationId xmlns:a16="http://schemas.microsoft.com/office/drawing/2014/main" id="{99B98953-5DCD-41EB-B45E-A5F24BEF7A28}"/>
+                </a:ext>
+              </a:extLst>
+            </p:cNvPr>
+            <p:cNvPicPr>
+              <a:picLocks noChangeAspect="1"/>
+            </p:cNvPicPr>
+            <p:nvPr/>
+          </p:nvPicPr>
+          <p:blipFill>
+            <a:blip r:embed="rId2"/>
+            <a:stretch>
+              <a:fillRect/>
+            </a:stretch>
+          </p:blipFill>
+          <p:spPr>
+            <a:xfrm>
+              <a:off x="0" y="0"/>
+              <a:ext cx="8858004" cy="4982627"/>
+            </a:xfrm>
+            <a:prstGeom prst="rect">
+              <a:avLst/>
+            </a:prstGeom>
+          </p:spPr>
+        </p:pic>
+        <p:sp>
+          <p:nvSpPr>
+            <p:cNvPr id="3" name="文本框 2">
+              <a:extLst>
+                <a:ext uri="{FF2B5EF4-FFF2-40B4-BE49-F238E27FC236}">
+                  <a16:creationId xmlns:a16="http://schemas.microsoft.com/office/drawing/2014/main" id="{CE4831C7-1AF8-4597-89FB-51C9F18E6994}"/>
+                </a:ext>
+              </a:extLst>
+            </p:cNvPr>
+            <p:cNvSpPr txBox="1"/>
+            <p:nvPr/>
+          </p:nvSpPr>
+          <p:spPr>
+            <a:xfrm>
+              <a:off x="2250962" y="4894378"/>
+              <a:ext cx="3868367" cy="307777"/>
+            </a:xfrm>
+            <a:prstGeom prst="rect">
+              <a:avLst/>
+            </a:prstGeom>
+            <a:noFill/>
+          </p:spPr>
+          <p:txBody>
+            <a:bodyPr wrap="none" rtlCol="0">
+              <a:spAutoFit/>
+            </a:bodyPr>
+            <a:lstStyle/>
+            <a:p>
+              <a:r>
+                <a:rPr lang="zh-CN" altLang="en-US" sz="1400" b="1" dirty="0"/>
+                <a:t>（</a:t>
+              </a:r>
+              <a:r>
+                <a:rPr lang="en-US" altLang="zh-CN" sz="1400" b="1" dirty="0"/>
+                <a:t>a</a:t>
+              </a:r>
+              <a:r>
+                <a:rPr lang="zh-CN" altLang="en-US" sz="1400" b="1" dirty="0"/>
+                <a:t>）插图显示使用移动遮光器进行沉积的过程</a:t>
+              </a:r>
+            </a:p>
+          </p:txBody>
+        </p:sp>
+        <p:sp>
+          <p:nvSpPr>
+            <p:cNvPr id="4" name="文本框 3">
+              <a:extLst>
+                <a:ext uri="{FF2B5EF4-FFF2-40B4-BE49-F238E27FC236}">
+                  <a16:creationId xmlns:a16="http://schemas.microsoft.com/office/drawing/2014/main" id="{E864A2F2-6F14-43A3-B86E-94B0EBD2772F}"/>
+                </a:ext>
+              </a:extLst>
+            </p:cNvPr>
+            <p:cNvSpPr txBox="1"/>
+            <p:nvPr/>
+          </p:nvSpPr>
+          <p:spPr>
+            <a:xfrm>
+              <a:off x="2250962" y="5202155"/>
+              <a:ext cx="3882794" cy="307777"/>
+            </a:xfrm>
+            <a:prstGeom prst="rect">
+              <a:avLst/>
+            </a:prstGeom>
+            <a:noFill/>
+          </p:spPr>
+          <p:txBody>
+            <a:bodyPr wrap="none" rtlCol="0">
+              <a:spAutoFit/>
+            </a:bodyPr>
+            <a:lstStyle/>
+            <a:p>
+              <a:r>
+                <a:rPr lang="zh-CN" altLang="en-US" sz="1400" b="1" dirty="0"/>
+                <a:t>（</a:t>
+              </a:r>
+              <a:r>
+                <a:rPr lang="en-US" altLang="zh-CN" sz="1400" b="1" dirty="0"/>
+                <a:t>b</a:t>
+              </a:r>
+              <a:r>
+                <a:rPr lang="zh-CN" altLang="en-US" sz="1400" b="1" dirty="0"/>
+                <a:t>）具备渐变成分扩散的多层薄膜的交叉区域</a:t>
+              </a:r>
+            </a:p>
+          </p:txBody>
+        </p:sp>
+        <p:sp>
+          <p:nvSpPr>
+            <p:cNvPr id="5" name="文本框 4">
+              <a:extLst>
+                <a:ext uri="{FF2B5EF4-FFF2-40B4-BE49-F238E27FC236}">
+                  <a16:creationId xmlns:a16="http://schemas.microsoft.com/office/drawing/2014/main" id="{3C1DBA39-26FE-4EF7-8CA2-CA208F4406C4}"/>
+                </a:ext>
+              </a:extLst>
+            </p:cNvPr>
+            <p:cNvSpPr txBox="1"/>
+            <p:nvPr/>
+          </p:nvSpPr>
+          <p:spPr>
+            <a:xfrm>
+              <a:off x="2250962" y="5508217"/>
+              <a:ext cx="3911648" cy="307777"/>
+            </a:xfrm>
+            <a:prstGeom prst="rect">
+              <a:avLst/>
+            </a:prstGeom>
+            <a:noFill/>
+          </p:spPr>
+          <p:txBody>
+            <a:bodyPr wrap="none" rtlCol="0">
+              <a:spAutoFit/>
+            </a:bodyPr>
+            <a:lstStyle/>
+            <a:p>
+              <a:r>
+                <a:rPr lang="zh-CN" altLang="en-US" sz="1400" b="1" dirty="0"/>
+                <a:t>（</a:t>
+              </a:r>
+              <a:r>
+                <a:rPr lang="en-US" altLang="zh-CN" sz="1400" b="1" dirty="0"/>
+                <a:t>c</a:t>
+              </a:r>
+              <a:r>
+                <a:rPr lang="zh-CN" altLang="en-US" sz="1400" b="1" dirty="0"/>
+                <a:t>）制备的</a:t>
+              </a:r>
+              <a:r>
+                <a:rPr lang="en-US" altLang="zh-CN" sz="1400" b="1" dirty="0"/>
+                <a:t>Fe-Co-Ni</a:t>
+              </a:r>
+              <a:r>
+                <a:rPr lang="zh-CN" altLang="en-US" sz="1400" b="1" dirty="0"/>
+                <a:t>等边三角形成分扩散样品</a:t>
+              </a:r>
+            </a:p>
+          </p:txBody>
+        </p:sp>
+        <p:sp>
+          <p:nvSpPr>
+            <p:cNvPr id="6" name="文本框 5">
+              <a:extLst>
+                <a:ext uri="{FF2B5EF4-FFF2-40B4-BE49-F238E27FC236}">
+                  <a16:creationId xmlns:a16="http://schemas.microsoft.com/office/drawing/2014/main" id="{EA148175-F139-4101-92F1-60F32AA92B5B}"/>
+                </a:ext>
+              </a:extLst>
+            </p:cNvPr>
+            <p:cNvSpPr txBox="1"/>
+            <p:nvPr/>
+          </p:nvSpPr>
+          <p:spPr>
+            <a:xfrm>
+              <a:off x="1801320" y="5814279"/>
+              <a:ext cx="4810932" cy="307777"/>
+            </a:xfrm>
+            <a:prstGeom prst="rect">
+              <a:avLst/>
+            </a:prstGeom>
+            <a:noFill/>
+          </p:spPr>
+          <p:txBody>
+            <a:bodyPr wrap="none" rtlCol="0">
+              <a:spAutoFit/>
+            </a:bodyPr>
+            <a:lstStyle/>
+            <a:p>
+              <a:r>
+                <a:rPr lang="zh-CN" altLang="en-US" sz="1400" b="1" dirty="0"/>
+                <a:t>（</a:t>
+              </a:r>
+              <a:r>
+                <a:rPr lang="en-US" altLang="zh-CN" sz="1400" b="1" dirty="0"/>
+                <a:t>d</a:t>
+              </a:r>
+              <a:r>
+                <a:rPr lang="zh-CN" altLang="en-US" sz="1400" b="1" dirty="0"/>
+                <a:t>），（</a:t>
+              </a:r>
+              <a:r>
+                <a:rPr lang="en-US" altLang="zh-CN" sz="1400" b="1" dirty="0"/>
+                <a:t>e</a:t>
+              </a:r>
+              <a:r>
+                <a:rPr lang="zh-CN" altLang="en-US" sz="1400" b="1" dirty="0"/>
+                <a:t>），（</a:t>
+              </a:r>
+              <a:r>
+                <a:rPr lang="en-US" altLang="zh-CN" sz="1400" b="1" dirty="0"/>
+                <a:t>f</a:t>
+              </a:r>
+              <a:r>
+                <a:rPr lang="zh-CN" altLang="en-US" sz="1400" b="1" dirty="0"/>
+                <a:t>）分别表示</a:t>
+              </a:r>
+              <a:r>
+                <a:rPr lang="en-US" altLang="zh-CN" sz="1400" b="1" dirty="0"/>
+                <a:t>Fe</a:t>
+              </a:r>
+              <a:r>
+                <a:rPr lang="zh-CN" altLang="en-US" sz="1400" b="1" dirty="0"/>
+                <a:t>、</a:t>
+              </a:r>
+              <a:r>
+                <a:rPr lang="en-US" altLang="zh-CN" sz="1400" b="1" dirty="0"/>
+                <a:t>Ni</a:t>
+              </a:r>
+              <a:r>
+                <a:rPr lang="zh-CN" altLang="en-US" sz="1400" b="1" dirty="0"/>
+                <a:t>、</a:t>
+              </a:r>
+              <a:r>
+                <a:rPr lang="en-US" altLang="zh-CN" sz="1400" b="1" dirty="0"/>
+                <a:t>Co</a:t>
+              </a:r>
+              <a:r>
+                <a:rPr lang="zh-CN" altLang="en-US" sz="1400" b="1" dirty="0"/>
+                <a:t>的成分扩散分布</a:t>
+              </a:r>
+            </a:p>
+          </p:txBody>
+        </p:sp>
+      </p:grpSp>
     </p:spTree>
     <p:extLst>
       <p:ext uri="{BB962C8B-B14F-4D97-AF65-F5344CB8AC3E}">

--- a/Lessons/材料高通量制备与表征/final_homework/pic_maker.pptx
+++ b/Lessons/材料高通量制备与表征/final_homework/pic_maker.pptx
@@ -270,7 +270,7 @@
           <a:p>
             <a:fld id="{E7CB6E30-F9A3-4F17-BED4-8EE672D3DDEC}" type="datetimeFigureOut">
               <a:rPr lang="zh-CN" altLang="en-US" smtClean="0"/>
-              <a:t>2018/6/24 Sunday</a:t>
+              <a:t>2018/6/25</a:t>
             </a:fld>
             <a:endParaRPr lang="zh-CN" altLang="en-US"/>
           </a:p>
@@ -468,7 +468,7 @@
           <a:p>
             <a:fld id="{E7CB6E30-F9A3-4F17-BED4-8EE672D3DDEC}" type="datetimeFigureOut">
               <a:rPr lang="zh-CN" altLang="en-US" smtClean="0"/>
-              <a:t>2018/6/24 Sunday</a:t>
+              <a:t>2018/6/25</a:t>
             </a:fld>
             <a:endParaRPr lang="zh-CN" altLang="en-US"/>
           </a:p>
@@ -676,7 +676,7 @@
           <a:p>
             <a:fld id="{E7CB6E30-F9A3-4F17-BED4-8EE672D3DDEC}" type="datetimeFigureOut">
               <a:rPr lang="zh-CN" altLang="en-US" smtClean="0"/>
-              <a:t>2018/6/24 Sunday</a:t>
+              <a:t>2018/6/25</a:t>
             </a:fld>
             <a:endParaRPr lang="zh-CN" altLang="en-US"/>
           </a:p>
@@ -874,7 +874,7 @@
           <a:p>
             <a:fld id="{E7CB6E30-F9A3-4F17-BED4-8EE672D3DDEC}" type="datetimeFigureOut">
               <a:rPr lang="zh-CN" altLang="en-US" smtClean="0"/>
-              <a:t>2018/6/24 Sunday</a:t>
+              <a:t>2018/6/25</a:t>
             </a:fld>
             <a:endParaRPr lang="zh-CN" altLang="en-US"/>
           </a:p>
@@ -1149,7 +1149,7 @@
           <a:p>
             <a:fld id="{E7CB6E30-F9A3-4F17-BED4-8EE672D3DDEC}" type="datetimeFigureOut">
               <a:rPr lang="zh-CN" altLang="en-US" smtClean="0"/>
-              <a:t>2018/6/24 Sunday</a:t>
+              <a:t>2018/6/25</a:t>
             </a:fld>
             <a:endParaRPr lang="zh-CN" altLang="en-US"/>
           </a:p>
@@ -1414,7 +1414,7 @@
           <a:p>
             <a:fld id="{E7CB6E30-F9A3-4F17-BED4-8EE672D3DDEC}" type="datetimeFigureOut">
               <a:rPr lang="zh-CN" altLang="en-US" smtClean="0"/>
-              <a:t>2018/6/24 Sunday</a:t>
+              <a:t>2018/6/25</a:t>
             </a:fld>
             <a:endParaRPr lang="zh-CN" altLang="en-US"/>
           </a:p>
@@ -1826,7 +1826,7 @@
           <a:p>
             <a:fld id="{E7CB6E30-F9A3-4F17-BED4-8EE672D3DDEC}" type="datetimeFigureOut">
               <a:rPr lang="zh-CN" altLang="en-US" smtClean="0"/>
-              <a:t>2018/6/24 Sunday</a:t>
+              <a:t>2018/6/25</a:t>
             </a:fld>
             <a:endParaRPr lang="zh-CN" altLang="en-US"/>
           </a:p>
@@ -1967,7 +1967,7 @@
           <a:p>
             <a:fld id="{E7CB6E30-F9A3-4F17-BED4-8EE672D3DDEC}" type="datetimeFigureOut">
               <a:rPr lang="zh-CN" altLang="en-US" smtClean="0"/>
-              <a:t>2018/6/24 Sunday</a:t>
+              <a:t>2018/6/25</a:t>
             </a:fld>
             <a:endParaRPr lang="zh-CN" altLang="en-US"/>
           </a:p>
@@ -2080,7 +2080,7 @@
           <a:p>
             <a:fld id="{E7CB6E30-F9A3-4F17-BED4-8EE672D3DDEC}" type="datetimeFigureOut">
               <a:rPr lang="zh-CN" altLang="en-US" smtClean="0"/>
-              <a:t>2018/6/24 Sunday</a:t>
+              <a:t>2018/6/25</a:t>
             </a:fld>
             <a:endParaRPr lang="zh-CN" altLang="en-US"/>
           </a:p>
@@ -2391,7 +2391,7 @@
           <a:p>
             <a:fld id="{E7CB6E30-F9A3-4F17-BED4-8EE672D3DDEC}" type="datetimeFigureOut">
               <a:rPr lang="zh-CN" altLang="en-US" smtClean="0"/>
-              <a:t>2018/6/24 Sunday</a:t>
+              <a:t>2018/6/25</a:t>
             </a:fld>
             <a:endParaRPr lang="zh-CN" altLang="en-US"/>
           </a:p>
@@ -2679,7 +2679,7 @@
           <a:p>
             <a:fld id="{E7CB6E30-F9A3-4F17-BED4-8EE672D3DDEC}" type="datetimeFigureOut">
               <a:rPr lang="zh-CN" altLang="en-US" smtClean="0"/>
-              <a:t>2018/6/24 Sunday</a:t>
+              <a:t>2018/6/25</a:t>
             </a:fld>
             <a:endParaRPr lang="zh-CN" altLang="en-US"/>
           </a:p>
@@ -2920,7 +2920,7 @@
           <a:p>
             <a:fld id="{E7CB6E30-F9A3-4F17-BED4-8EE672D3DDEC}" type="datetimeFigureOut">
               <a:rPr lang="zh-CN" altLang="en-US" smtClean="0"/>
-              <a:t>2018/6/24 Sunday</a:t>
+              <a:t>2018/6/25</a:t>
             </a:fld>
             <a:endParaRPr lang="zh-CN" altLang="en-US"/>
           </a:p>
@@ -3931,6 +3931,130 @@
           <a:chExt cx="0" cy="0"/>
         </a:xfrm>
       </p:grpSpPr>
+      <p:pic>
+        <p:nvPicPr>
+          <p:cNvPr id="2" name="图片 1">
+            <a:extLst>
+              <a:ext uri="{FF2B5EF4-FFF2-40B4-BE49-F238E27FC236}">
+                <a16:creationId xmlns:a16="http://schemas.microsoft.com/office/drawing/2014/main" id="{54ED8EDD-CDDC-4CCB-8F78-76D2211C94B7}"/>
+              </a:ext>
+            </a:extLst>
+          </p:cNvPr>
+          <p:cNvPicPr>
+            <a:picLocks noChangeAspect="1"/>
+          </p:cNvPicPr>
+          <p:nvPr/>
+        </p:nvPicPr>
+        <p:blipFill>
+          <a:blip r:embed="rId2"/>
+          <a:stretch>
+            <a:fillRect/>
+          </a:stretch>
+        </p:blipFill>
+        <p:spPr>
+          <a:xfrm>
+            <a:off x="2277593" y="1680002"/>
+            <a:ext cx="7096125" cy="2162175"/>
+          </a:xfrm>
+          <a:prstGeom prst="rect">
+            <a:avLst/>
+          </a:prstGeom>
+        </p:spPr>
+      </p:pic>
+      <p:sp>
+        <p:nvSpPr>
+          <p:cNvPr id="3" name="文本框 2">
+            <a:extLst>
+              <a:ext uri="{FF2B5EF4-FFF2-40B4-BE49-F238E27FC236}">
+                <a16:creationId xmlns:a16="http://schemas.microsoft.com/office/drawing/2014/main" id="{7C7A548A-4B09-4C5A-A683-90B579D8D278}"/>
+              </a:ext>
+            </a:extLst>
+          </p:cNvPr>
+          <p:cNvSpPr txBox="1"/>
+          <p:nvPr/>
+        </p:nvSpPr>
+        <p:spPr>
+          <a:xfrm>
+            <a:off x="4296792" y="4385569"/>
+            <a:ext cx="3748142" cy="369332"/>
+          </a:xfrm>
+          <a:prstGeom prst="rect">
+            <a:avLst/>
+          </a:prstGeom>
+          <a:noFill/>
+        </p:spPr>
+        <p:txBody>
+          <a:bodyPr wrap="none" rtlCol="0">
+            <a:spAutoFit/>
+          </a:bodyPr>
+          <a:lstStyle/>
+          <a:p>
+            <a:r>
+              <a:rPr lang="zh-CN" altLang="en-US" dirty="0"/>
+              <a:t>（</a:t>
+            </a:r>
+            <a:r>
+              <a:rPr lang="en-US" altLang="zh-CN" dirty="0"/>
+              <a:t>a</a:t>
+            </a:r>
+            <a:r>
+              <a:rPr lang="zh-CN" altLang="en-US" dirty="0"/>
+              <a:t>）曝光时间为</a:t>
+            </a:r>
+            <a:r>
+              <a:rPr lang="en-US" altLang="zh-CN" dirty="0"/>
+              <a:t>1s</a:t>
+            </a:r>
+            <a:r>
+              <a:rPr lang="zh-CN" altLang="en-US" dirty="0"/>
+              <a:t>的典型衍射照片</a:t>
+            </a:r>
+          </a:p>
+        </p:txBody>
+      </p:sp>
+      <p:sp>
+        <p:nvSpPr>
+          <p:cNvPr id="4" name="文本框 3">
+            <a:extLst>
+              <a:ext uri="{FF2B5EF4-FFF2-40B4-BE49-F238E27FC236}">
+                <a16:creationId xmlns:a16="http://schemas.microsoft.com/office/drawing/2014/main" id="{371F9922-DA72-4518-8827-466323B9F9E2}"/>
+              </a:ext>
+            </a:extLst>
+          </p:cNvPr>
+          <p:cNvSpPr txBox="1"/>
+          <p:nvPr/>
+        </p:nvSpPr>
+        <p:spPr>
+          <a:xfrm>
+            <a:off x="4634144" y="5140171"/>
+            <a:ext cx="779381" cy="369332"/>
+          </a:xfrm>
+          <a:prstGeom prst="rect">
+            <a:avLst/>
+          </a:prstGeom>
+          <a:noFill/>
+        </p:spPr>
+        <p:txBody>
+          <a:bodyPr wrap="none" rtlCol="0">
+            <a:spAutoFit/>
+          </a:bodyPr>
+          <a:lstStyle/>
+          <a:p>
+            <a:r>
+              <a:rPr lang="zh-CN" altLang="en-US" dirty="0"/>
+              <a:t>（</a:t>
+            </a:r>
+            <a:r>
+              <a:rPr lang="en-US" altLang="zh-CN" dirty="0"/>
+              <a:t>b</a:t>
+            </a:r>
+            <a:r>
+              <a:rPr lang="zh-CN" altLang="en-US" dirty="0"/>
+              <a:t>）</a:t>
+            </a:r>
+          </a:p>
+        </p:txBody>
+      </p:sp>
     </p:spTree>
     <p:extLst>
       <p:ext uri="{BB962C8B-B14F-4D97-AF65-F5344CB8AC3E}">

--- a/Lessons/材料高通量制备与表征/final_homework/pic_maker.pptx
+++ b/Lessons/材料高通量制备与表征/final_homework/pic_maker.pptx
@@ -270,7 +270,7 @@
           <a:p>
             <a:fld id="{E7CB6E30-F9A3-4F17-BED4-8EE672D3DDEC}" type="datetimeFigureOut">
               <a:rPr lang="zh-CN" altLang="en-US" smtClean="0"/>
-              <a:t>2018/6/25</a:t>
+              <a:t>2018/6/25 Monday</a:t>
             </a:fld>
             <a:endParaRPr lang="zh-CN" altLang="en-US"/>
           </a:p>
@@ -468,7 +468,7 @@
           <a:p>
             <a:fld id="{E7CB6E30-F9A3-4F17-BED4-8EE672D3DDEC}" type="datetimeFigureOut">
               <a:rPr lang="zh-CN" altLang="en-US" smtClean="0"/>
-              <a:t>2018/6/25</a:t>
+              <a:t>2018/6/25 Monday</a:t>
             </a:fld>
             <a:endParaRPr lang="zh-CN" altLang="en-US"/>
           </a:p>
@@ -676,7 +676,7 @@
           <a:p>
             <a:fld id="{E7CB6E30-F9A3-4F17-BED4-8EE672D3DDEC}" type="datetimeFigureOut">
               <a:rPr lang="zh-CN" altLang="en-US" smtClean="0"/>
-              <a:t>2018/6/25</a:t>
+              <a:t>2018/6/25 Monday</a:t>
             </a:fld>
             <a:endParaRPr lang="zh-CN" altLang="en-US"/>
           </a:p>
@@ -874,7 +874,7 @@
           <a:p>
             <a:fld id="{E7CB6E30-F9A3-4F17-BED4-8EE672D3DDEC}" type="datetimeFigureOut">
               <a:rPr lang="zh-CN" altLang="en-US" smtClean="0"/>
-              <a:t>2018/6/25</a:t>
+              <a:t>2018/6/25 Monday</a:t>
             </a:fld>
             <a:endParaRPr lang="zh-CN" altLang="en-US"/>
           </a:p>
@@ -1149,7 +1149,7 @@
           <a:p>
             <a:fld id="{E7CB6E30-F9A3-4F17-BED4-8EE672D3DDEC}" type="datetimeFigureOut">
               <a:rPr lang="zh-CN" altLang="en-US" smtClean="0"/>
-              <a:t>2018/6/25</a:t>
+              <a:t>2018/6/25 Monday</a:t>
             </a:fld>
             <a:endParaRPr lang="zh-CN" altLang="en-US"/>
           </a:p>
@@ -1414,7 +1414,7 @@
           <a:p>
             <a:fld id="{E7CB6E30-F9A3-4F17-BED4-8EE672D3DDEC}" type="datetimeFigureOut">
               <a:rPr lang="zh-CN" altLang="en-US" smtClean="0"/>
-              <a:t>2018/6/25</a:t>
+              <a:t>2018/6/25 Monday</a:t>
             </a:fld>
             <a:endParaRPr lang="zh-CN" altLang="en-US"/>
           </a:p>
@@ -1826,7 +1826,7 @@
           <a:p>
             <a:fld id="{E7CB6E30-F9A3-4F17-BED4-8EE672D3DDEC}" type="datetimeFigureOut">
               <a:rPr lang="zh-CN" altLang="en-US" smtClean="0"/>
-              <a:t>2018/6/25</a:t>
+              <a:t>2018/6/25 Monday</a:t>
             </a:fld>
             <a:endParaRPr lang="zh-CN" altLang="en-US"/>
           </a:p>
@@ -1967,7 +1967,7 @@
           <a:p>
             <a:fld id="{E7CB6E30-F9A3-4F17-BED4-8EE672D3DDEC}" type="datetimeFigureOut">
               <a:rPr lang="zh-CN" altLang="en-US" smtClean="0"/>
-              <a:t>2018/6/25</a:t>
+              <a:t>2018/6/25 Monday</a:t>
             </a:fld>
             <a:endParaRPr lang="zh-CN" altLang="en-US"/>
           </a:p>
@@ -2080,7 +2080,7 @@
           <a:p>
             <a:fld id="{E7CB6E30-F9A3-4F17-BED4-8EE672D3DDEC}" type="datetimeFigureOut">
               <a:rPr lang="zh-CN" altLang="en-US" smtClean="0"/>
-              <a:t>2018/6/25</a:t>
+              <a:t>2018/6/25 Monday</a:t>
             </a:fld>
             <a:endParaRPr lang="zh-CN" altLang="en-US"/>
           </a:p>
@@ -2391,7 +2391,7 @@
           <a:p>
             <a:fld id="{E7CB6E30-F9A3-4F17-BED4-8EE672D3DDEC}" type="datetimeFigureOut">
               <a:rPr lang="zh-CN" altLang="en-US" smtClean="0"/>
-              <a:t>2018/6/25</a:t>
+              <a:t>2018/6/25 Monday</a:t>
             </a:fld>
             <a:endParaRPr lang="zh-CN" altLang="en-US"/>
           </a:p>
@@ -2679,7 +2679,7 @@
           <a:p>
             <a:fld id="{E7CB6E30-F9A3-4F17-BED4-8EE672D3DDEC}" type="datetimeFigureOut">
               <a:rPr lang="zh-CN" altLang="en-US" smtClean="0"/>
-              <a:t>2018/6/25</a:t>
+              <a:t>2018/6/25 Monday</a:t>
             </a:fld>
             <a:endParaRPr lang="zh-CN" altLang="en-US"/>
           </a:p>
@@ -2920,7 +2920,7 @@
           <a:p>
             <a:fld id="{E7CB6E30-F9A3-4F17-BED4-8EE672D3DDEC}" type="datetimeFigureOut">
               <a:rPr lang="zh-CN" altLang="en-US" smtClean="0"/>
-              <a:t>2018/6/25</a:t>
+              <a:t>2018/6/25 Monday</a:t>
             </a:fld>
             <a:endParaRPr lang="zh-CN" altLang="en-US"/>
           </a:p>
@@ -3931,130 +3931,234 @@
           <a:chExt cx="0" cy="0"/>
         </a:xfrm>
       </p:grpSpPr>
-      <p:pic>
-        <p:nvPicPr>
-          <p:cNvPr id="2" name="图片 1">
-            <a:extLst>
-              <a:ext uri="{FF2B5EF4-FFF2-40B4-BE49-F238E27FC236}">
-                <a16:creationId xmlns:a16="http://schemas.microsoft.com/office/drawing/2014/main" id="{54ED8EDD-CDDC-4CCB-8F78-76D2211C94B7}"/>
-              </a:ext>
-            </a:extLst>
-          </p:cNvPr>
-          <p:cNvPicPr>
-            <a:picLocks noChangeAspect="1"/>
-          </p:cNvPicPr>
+      <p:grpSp>
+        <p:nvGrpSpPr>
+          <p:cNvPr id="6" name="组合 5">
+            <a:extLst>
+              <a:ext uri="{FF2B5EF4-FFF2-40B4-BE49-F238E27FC236}">
+                <a16:creationId xmlns:a16="http://schemas.microsoft.com/office/drawing/2014/main" id="{8A3C4CAD-FED7-4BCC-AF27-70A67429F980}"/>
+              </a:ext>
+            </a:extLst>
+          </p:cNvPr>
+          <p:cNvGrpSpPr/>
           <p:nvPr/>
-        </p:nvPicPr>
-        <p:blipFill>
-          <a:blip r:embed="rId2"/>
-          <a:stretch>
-            <a:fillRect/>
-          </a:stretch>
-        </p:blipFill>
-        <p:spPr>
+        </p:nvGrpSpPr>
+        <p:grpSpPr>
           <a:xfrm>
-            <a:off x="2277593" y="1680002"/>
-            <a:ext cx="7096125" cy="2162175"/>
+            <a:off x="143859" y="78549"/>
+            <a:ext cx="11226267" cy="4343952"/>
+            <a:chOff x="143859" y="78549"/>
+            <a:chExt cx="11226267" cy="4343952"/>
           </a:xfrm>
-          <a:prstGeom prst="rect">
-            <a:avLst/>
-          </a:prstGeom>
-        </p:spPr>
-      </p:pic>
-      <p:sp>
-        <p:nvSpPr>
-          <p:cNvPr id="3" name="文本框 2">
-            <a:extLst>
-              <a:ext uri="{FF2B5EF4-FFF2-40B4-BE49-F238E27FC236}">
-                <a16:creationId xmlns:a16="http://schemas.microsoft.com/office/drawing/2014/main" id="{7C7A548A-4B09-4C5A-A683-90B579D8D278}"/>
-              </a:ext>
-            </a:extLst>
-          </p:cNvPr>
-          <p:cNvSpPr txBox="1"/>
-          <p:nvPr/>
-        </p:nvSpPr>
-        <p:spPr>
-          <a:xfrm>
-            <a:off x="4296792" y="4385569"/>
-            <a:ext cx="3748142" cy="369332"/>
-          </a:xfrm>
-          <a:prstGeom prst="rect">
-            <a:avLst/>
-          </a:prstGeom>
-          <a:noFill/>
-        </p:spPr>
-        <p:txBody>
-          <a:bodyPr wrap="none" rtlCol="0">
-            <a:spAutoFit/>
-          </a:bodyPr>
-          <a:lstStyle/>
-          <a:p>
-            <a:r>
-              <a:rPr lang="zh-CN" altLang="en-US" dirty="0"/>
-              <a:t>（</a:t>
-            </a:r>
-            <a:r>
-              <a:rPr lang="en-US" altLang="zh-CN" dirty="0"/>
-              <a:t>a</a:t>
-            </a:r>
-            <a:r>
-              <a:rPr lang="zh-CN" altLang="en-US" dirty="0"/>
-              <a:t>）曝光时间为</a:t>
-            </a:r>
-            <a:r>
-              <a:rPr lang="en-US" altLang="zh-CN" dirty="0"/>
-              <a:t>1s</a:t>
-            </a:r>
-            <a:r>
-              <a:rPr lang="zh-CN" altLang="en-US" dirty="0"/>
-              <a:t>的典型衍射照片</a:t>
-            </a:r>
-          </a:p>
-        </p:txBody>
-      </p:sp>
-      <p:sp>
-        <p:nvSpPr>
-          <p:cNvPr id="4" name="文本框 3">
-            <a:extLst>
-              <a:ext uri="{FF2B5EF4-FFF2-40B4-BE49-F238E27FC236}">
-                <a16:creationId xmlns:a16="http://schemas.microsoft.com/office/drawing/2014/main" id="{371F9922-DA72-4518-8827-466323B9F9E2}"/>
-              </a:ext>
-            </a:extLst>
-          </p:cNvPr>
-          <p:cNvSpPr txBox="1"/>
-          <p:nvPr/>
-        </p:nvSpPr>
-        <p:spPr>
-          <a:xfrm>
-            <a:off x="4634144" y="5140171"/>
-            <a:ext cx="779381" cy="369332"/>
-          </a:xfrm>
-          <a:prstGeom prst="rect">
-            <a:avLst/>
-          </a:prstGeom>
-          <a:noFill/>
-        </p:spPr>
-        <p:txBody>
-          <a:bodyPr wrap="none" rtlCol="0">
-            <a:spAutoFit/>
-          </a:bodyPr>
-          <a:lstStyle/>
-          <a:p>
-            <a:r>
-              <a:rPr lang="zh-CN" altLang="en-US" dirty="0"/>
-              <a:t>（</a:t>
-            </a:r>
-            <a:r>
-              <a:rPr lang="en-US" altLang="zh-CN" dirty="0"/>
-              <a:t>b</a:t>
-            </a:r>
-            <a:r>
-              <a:rPr lang="zh-CN" altLang="en-US" dirty="0"/>
-              <a:t>）</a:t>
-            </a:r>
-          </a:p>
-        </p:txBody>
-      </p:sp>
+        </p:grpSpPr>
+        <p:pic>
+          <p:nvPicPr>
+            <p:cNvPr id="2" name="图片 1">
+              <a:extLst>
+                <a:ext uri="{FF2B5EF4-FFF2-40B4-BE49-F238E27FC236}">
+                  <a16:creationId xmlns:a16="http://schemas.microsoft.com/office/drawing/2014/main" id="{54ED8EDD-CDDC-4CCB-8F78-76D2211C94B7}"/>
+                </a:ext>
+              </a:extLst>
+            </p:cNvPr>
+            <p:cNvPicPr>
+              <a:picLocks noChangeAspect="1"/>
+            </p:cNvPicPr>
+            <p:nvPr/>
+          </p:nvPicPr>
+          <p:blipFill>
+            <a:blip r:embed="rId2"/>
+            <a:stretch>
+              <a:fillRect/>
+            </a:stretch>
+          </p:blipFill>
+          <p:spPr>
+            <a:xfrm>
+              <a:off x="143859" y="78549"/>
+              <a:ext cx="11226267" cy="3420621"/>
+            </a:xfrm>
+            <a:prstGeom prst="rect">
+              <a:avLst/>
+            </a:prstGeom>
+          </p:spPr>
+        </p:pic>
+        <p:sp>
+          <p:nvSpPr>
+            <p:cNvPr id="3" name="文本框 2">
+              <a:extLst>
+                <a:ext uri="{FF2B5EF4-FFF2-40B4-BE49-F238E27FC236}">
+                  <a16:creationId xmlns:a16="http://schemas.microsoft.com/office/drawing/2014/main" id="{7C7A548A-4B09-4C5A-A683-90B579D8D278}"/>
+                </a:ext>
+              </a:extLst>
+            </p:cNvPr>
+            <p:cNvSpPr txBox="1"/>
+            <p:nvPr/>
+          </p:nvSpPr>
+          <p:spPr>
+            <a:xfrm>
+              <a:off x="4273252" y="3499170"/>
+              <a:ext cx="2967479" cy="307777"/>
+            </a:xfrm>
+            <a:prstGeom prst="rect">
+              <a:avLst/>
+            </a:prstGeom>
+            <a:noFill/>
+          </p:spPr>
+          <p:txBody>
+            <a:bodyPr wrap="none" rtlCol="0">
+              <a:spAutoFit/>
+            </a:bodyPr>
+            <a:lstStyle/>
+            <a:p>
+              <a:r>
+                <a:rPr lang="zh-CN" altLang="en-US" sz="1400" b="1" dirty="0"/>
+                <a:t>（</a:t>
+              </a:r>
+              <a:r>
+                <a:rPr lang="en-US" altLang="zh-CN" sz="1400" b="1" dirty="0"/>
+                <a:t>a</a:t>
+              </a:r>
+              <a:r>
+                <a:rPr lang="zh-CN" altLang="en-US" sz="1400" b="1" dirty="0"/>
+                <a:t>）曝光时间为</a:t>
+              </a:r>
+              <a:r>
+                <a:rPr lang="en-US" altLang="zh-CN" sz="1400" b="1" dirty="0"/>
+                <a:t>1s</a:t>
+              </a:r>
+              <a:r>
+                <a:rPr lang="zh-CN" altLang="en-US" sz="1400" b="1" dirty="0"/>
+                <a:t>的典型衍射照片</a:t>
+              </a:r>
+            </a:p>
+          </p:txBody>
+        </p:sp>
+        <p:sp>
+          <p:nvSpPr>
+            <p:cNvPr id="4" name="文本框 3">
+              <a:extLst>
+                <a:ext uri="{FF2B5EF4-FFF2-40B4-BE49-F238E27FC236}">
+                  <a16:creationId xmlns:a16="http://schemas.microsoft.com/office/drawing/2014/main" id="{371F9922-DA72-4518-8827-466323B9F9E2}"/>
+                </a:ext>
+              </a:extLst>
+            </p:cNvPr>
+            <p:cNvSpPr txBox="1"/>
+            <p:nvPr/>
+          </p:nvSpPr>
+          <p:spPr>
+            <a:xfrm>
+              <a:off x="4178674" y="3806947"/>
+              <a:ext cx="3156633" cy="307777"/>
+            </a:xfrm>
+            <a:prstGeom prst="rect">
+              <a:avLst/>
+            </a:prstGeom>
+            <a:noFill/>
+          </p:spPr>
+          <p:txBody>
+            <a:bodyPr wrap="none" rtlCol="0">
+              <a:spAutoFit/>
+            </a:bodyPr>
+            <a:lstStyle/>
+            <a:p>
+              <a:r>
+                <a:rPr lang="zh-CN" altLang="en-US" sz="1400" b="1" dirty="0"/>
+                <a:t>（</a:t>
+              </a:r>
+              <a:r>
+                <a:rPr lang="en-US" altLang="zh-CN" sz="1400" b="1" dirty="0"/>
+                <a:t>b</a:t>
+              </a:r>
+              <a:r>
+                <a:rPr lang="zh-CN" altLang="en-US" sz="1400" b="1" dirty="0"/>
+                <a:t>）延扫描线并经转换后的</a:t>
+              </a:r>
+              <a:r>
+                <a:rPr lang="en-US" altLang="zh-CN" sz="1400" b="1" dirty="0"/>
+                <a:t>XRD</a:t>
+              </a:r>
+              <a:r>
+                <a:rPr lang="zh-CN" altLang="en-US" sz="1400" b="1" dirty="0"/>
+                <a:t>能谱</a:t>
+              </a:r>
+            </a:p>
+          </p:txBody>
+        </p:sp>
+        <p:sp>
+          <p:nvSpPr>
+            <p:cNvPr id="5" name="文本框 4">
+              <a:extLst>
+                <a:ext uri="{FF2B5EF4-FFF2-40B4-BE49-F238E27FC236}">
+                  <a16:creationId xmlns:a16="http://schemas.microsoft.com/office/drawing/2014/main" id="{0885883E-5DBF-474C-9768-9DCEBEA5D9EE}"/>
+                </a:ext>
+              </a:extLst>
+            </p:cNvPr>
+            <p:cNvSpPr txBox="1"/>
+            <p:nvPr/>
+          </p:nvSpPr>
+          <p:spPr>
+            <a:xfrm>
+              <a:off x="2097950" y="4114724"/>
+              <a:ext cx="7996100" cy="307777"/>
+            </a:xfrm>
+            <a:prstGeom prst="rect">
+              <a:avLst/>
+            </a:prstGeom>
+            <a:noFill/>
+          </p:spPr>
+          <p:txBody>
+            <a:bodyPr wrap="none" rtlCol="0">
+              <a:spAutoFit/>
+            </a:bodyPr>
+            <a:lstStyle/>
+            <a:p>
+              <a:r>
+                <a:rPr lang="zh-CN" altLang="en-US" sz="1400" b="1" dirty="0"/>
+                <a:t>（</a:t>
+              </a:r>
+              <a:r>
+                <a:rPr lang="en-US" altLang="zh-CN" sz="1400" b="1" dirty="0"/>
+                <a:t>c</a:t>
+              </a:r>
+              <a:r>
+                <a:rPr lang="zh-CN" altLang="en-US" sz="1400" b="1" dirty="0"/>
+                <a:t>）用</a:t>
+              </a:r>
+              <a:r>
+                <a:rPr lang="en-US" altLang="zh-CN" sz="1400" b="1" dirty="0"/>
+                <a:t>600</a:t>
+              </a:r>
+              <a:r>
+                <a:rPr lang="zh-CN" altLang="en-US" sz="1400" b="1" dirty="0"/>
+                <a:t>℃下热处理的材料芯片手动构建的成分相图（蓝点，</a:t>
+              </a:r>
+              <a:r>
+                <a:rPr lang="en-US" altLang="zh-CN" sz="1400" b="1" dirty="0"/>
+                <a:t>bcc</a:t>
+              </a:r>
+              <a:r>
+                <a:rPr lang="zh-CN" altLang="en-US" sz="1400" b="1" dirty="0"/>
+                <a:t>；红点，</a:t>
+              </a:r>
+              <a:r>
+                <a:rPr lang="en-US" altLang="zh-CN" sz="1400" b="1" dirty="0" err="1"/>
+                <a:t>bcc+fcc</a:t>
+              </a:r>
+              <a:r>
+                <a:rPr lang="zh-CN" altLang="en-US" sz="1400" b="1" dirty="0"/>
+                <a:t>；黑点，</a:t>
+              </a:r>
+              <a:r>
+                <a:rPr lang="en-US" altLang="zh-CN" sz="1400" b="1" dirty="0" err="1"/>
+                <a:t>fcc</a:t>
+              </a:r>
+              <a:r>
+                <a:rPr lang="zh-CN" altLang="en-US" sz="1400" b="1" dirty="0"/>
+                <a:t>）</a:t>
+              </a:r>
+            </a:p>
+          </p:txBody>
+        </p:sp>
+      </p:grpSp>
     </p:spTree>
     <p:extLst>
       <p:ext uri="{BB962C8B-B14F-4D97-AF65-F5344CB8AC3E}">
@@ -4085,6 +4189,304 @@
           <a:chExt cx="0" cy="0"/>
         </a:xfrm>
       </p:grpSpPr>
+      <p:grpSp>
+        <p:nvGrpSpPr>
+          <p:cNvPr id="8" name="组合 7">
+            <a:extLst>
+              <a:ext uri="{FF2B5EF4-FFF2-40B4-BE49-F238E27FC236}">
+                <a16:creationId xmlns:a16="http://schemas.microsoft.com/office/drawing/2014/main" id="{FB0DDA1B-12F1-460E-8FAE-893FBC2E2EFB}"/>
+              </a:ext>
+            </a:extLst>
+          </p:cNvPr>
+          <p:cNvGrpSpPr/>
+          <p:nvPr/>
+        </p:nvGrpSpPr>
+        <p:grpSpPr>
+          <a:xfrm>
+            <a:off x="1524562" y="0"/>
+            <a:ext cx="9142875" cy="6558752"/>
+            <a:chOff x="1524562" y="0"/>
+            <a:chExt cx="9142875" cy="6558752"/>
+          </a:xfrm>
+        </p:grpSpPr>
+        <p:pic>
+          <p:nvPicPr>
+            <p:cNvPr id="2" name="图片 1">
+              <a:extLst>
+                <a:ext uri="{FF2B5EF4-FFF2-40B4-BE49-F238E27FC236}">
+                  <a16:creationId xmlns:a16="http://schemas.microsoft.com/office/drawing/2014/main" id="{825DA401-6FD5-4A0A-AB21-95A527716020}"/>
+                </a:ext>
+              </a:extLst>
+            </p:cNvPr>
+            <p:cNvPicPr>
+              <a:picLocks noChangeAspect="1"/>
+            </p:cNvPicPr>
+            <p:nvPr/>
+          </p:nvPicPr>
+          <p:blipFill>
+            <a:blip r:embed="rId2"/>
+            <a:stretch>
+              <a:fillRect/>
+            </a:stretch>
+          </p:blipFill>
+          <p:spPr>
+            <a:xfrm>
+              <a:off x="1524562" y="0"/>
+              <a:ext cx="9142875" cy="5378162"/>
+            </a:xfrm>
+            <a:prstGeom prst="rect">
+              <a:avLst/>
+            </a:prstGeom>
+          </p:spPr>
+        </p:pic>
+        <p:sp>
+          <p:nvSpPr>
+            <p:cNvPr id="3" name="文本框 2">
+              <a:extLst>
+                <a:ext uri="{FF2B5EF4-FFF2-40B4-BE49-F238E27FC236}">
+                  <a16:creationId xmlns:a16="http://schemas.microsoft.com/office/drawing/2014/main" id="{A85084BD-BA41-41D3-91E8-6E542D79578B}"/>
+                </a:ext>
+              </a:extLst>
+            </p:cNvPr>
+            <p:cNvSpPr txBox="1"/>
+            <p:nvPr/>
+          </p:nvSpPr>
+          <p:spPr>
+            <a:xfrm>
+              <a:off x="4629090" y="5350094"/>
+              <a:ext cx="2933816" cy="307777"/>
+            </a:xfrm>
+            <a:prstGeom prst="rect">
+              <a:avLst/>
+            </a:prstGeom>
+            <a:noFill/>
+          </p:spPr>
+          <p:txBody>
+            <a:bodyPr wrap="none" rtlCol="0">
+              <a:spAutoFit/>
+            </a:bodyPr>
+            <a:lstStyle/>
+            <a:p>
+              <a:r>
+                <a:rPr lang="zh-CN" altLang="en-US" sz="1400" b="1" dirty="0"/>
+                <a:t>（</a:t>
+              </a:r>
+              <a:r>
+                <a:rPr lang="en-US" altLang="zh-CN" sz="1400" b="1" dirty="0"/>
+                <a:t>a</a:t>
+              </a:r>
+              <a:r>
+                <a:rPr lang="zh-CN" altLang="en-US" sz="1400" b="1" dirty="0"/>
+                <a:t>）</a:t>
+              </a:r>
+              <a:r>
+                <a:rPr lang="en-US" altLang="zh-CN" sz="1400" b="1" dirty="0" err="1"/>
+                <a:t>fcc</a:t>
+              </a:r>
+              <a:r>
+                <a:rPr lang="zh-CN" altLang="en-US" sz="1400" b="1" dirty="0"/>
+                <a:t>和</a:t>
+              </a:r>
+              <a:r>
+                <a:rPr lang="en-US" altLang="zh-CN" sz="1400" b="1" dirty="0"/>
+                <a:t>bcc</a:t>
+              </a:r>
+              <a:r>
+                <a:rPr lang="zh-CN" altLang="en-US" sz="1400" b="1" dirty="0"/>
+                <a:t>典型的</a:t>
+              </a:r>
+              <a:r>
+                <a:rPr lang="en-US" altLang="zh-CN" sz="1400" b="1" dirty="0"/>
+                <a:t>XRD</a:t>
+              </a:r>
+              <a:r>
+                <a:rPr lang="zh-CN" altLang="en-US" sz="1400" b="1" dirty="0"/>
+                <a:t>衍射能谱</a:t>
+              </a:r>
+            </a:p>
+          </p:txBody>
+        </p:sp>
+        <p:sp>
+          <p:nvSpPr>
+            <p:cNvPr id="4" name="文本框 3">
+              <a:extLst>
+                <a:ext uri="{FF2B5EF4-FFF2-40B4-BE49-F238E27FC236}">
+                  <a16:creationId xmlns:a16="http://schemas.microsoft.com/office/drawing/2014/main" id="{C7A0E719-6B3F-43BE-816C-2B94F661029E}"/>
+                </a:ext>
+              </a:extLst>
+            </p:cNvPr>
+            <p:cNvSpPr txBox="1"/>
+            <p:nvPr/>
+          </p:nvSpPr>
+          <p:spPr>
+            <a:xfrm>
+              <a:off x="4736492" y="5588714"/>
+              <a:ext cx="2719014" cy="307777"/>
+            </a:xfrm>
+            <a:prstGeom prst="rect">
+              <a:avLst/>
+            </a:prstGeom>
+            <a:noFill/>
+          </p:spPr>
+          <p:txBody>
+            <a:bodyPr wrap="none" rtlCol="0">
+              <a:spAutoFit/>
+            </a:bodyPr>
+            <a:lstStyle/>
+            <a:p>
+              <a:r>
+                <a:rPr lang="zh-CN" altLang="en-US" sz="1400" b="1" dirty="0"/>
+                <a:t>（</a:t>
+              </a:r>
+              <a:r>
+                <a:rPr lang="en-US" altLang="zh-CN" sz="1400" b="1" dirty="0"/>
+                <a:t>b</a:t>
+              </a:r>
+              <a:r>
+                <a:rPr lang="zh-CN" altLang="en-US" sz="1400" b="1" dirty="0"/>
+                <a:t>）从表</a:t>
+              </a:r>
+              <a:r>
+                <a:rPr lang="en-US" altLang="zh-CN" sz="1400" b="1" dirty="0"/>
+                <a:t>a</a:t>
+              </a:r>
+              <a:r>
+                <a:rPr lang="zh-CN" altLang="en-US" sz="1400" b="1" dirty="0"/>
+                <a:t>识别出的峰位和强度</a:t>
+              </a:r>
+            </a:p>
+          </p:txBody>
+        </p:sp>
+        <p:sp>
+          <p:nvSpPr>
+            <p:cNvPr id="5" name="文本框 4">
+              <a:extLst>
+                <a:ext uri="{FF2B5EF4-FFF2-40B4-BE49-F238E27FC236}">
+                  <a16:creationId xmlns:a16="http://schemas.microsoft.com/office/drawing/2014/main" id="{FA7F3539-6A6F-481A-B361-8F699685147A}"/>
+                </a:ext>
+              </a:extLst>
+            </p:cNvPr>
+            <p:cNvSpPr txBox="1"/>
+            <p:nvPr/>
+          </p:nvSpPr>
+          <p:spPr>
+            <a:xfrm>
+              <a:off x="4794200" y="5812491"/>
+              <a:ext cx="2603598" cy="307777"/>
+            </a:xfrm>
+            <a:prstGeom prst="rect">
+              <a:avLst/>
+            </a:prstGeom>
+            <a:noFill/>
+          </p:spPr>
+          <p:txBody>
+            <a:bodyPr wrap="none" rtlCol="0">
+              <a:spAutoFit/>
+            </a:bodyPr>
+            <a:lstStyle/>
+            <a:p>
+              <a:r>
+                <a:rPr lang="zh-CN" altLang="en-US" sz="1400" b="1" dirty="0"/>
+                <a:t>（</a:t>
+              </a:r>
+              <a:r>
+                <a:rPr lang="en-US" altLang="zh-CN" sz="1400" b="1" dirty="0"/>
+                <a:t>c</a:t>
+              </a:r>
+              <a:r>
+                <a:rPr lang="zh-CN" altLang="en-US" sz="1400" b="1" dirty="0"/>
+                <a:t>）使用全谱策略的聚类结果</a:t>
+              </a:r>
+            </a:p>
+          </p:txBody>
+        </p:sp>
+        <p:sp>
+          <p:nvSpPr>
+            <p:cNvPr id="6" name="文本框 5">
+              <a:extLst>
+                <a:ext uri="{FF2B5EF4-FFF2-40B4-BE49-F238E27FC236}">
+                  <a16:creationId xmlns:a16="http://schemas.microsoft.com/office/drawing/2014/main" id="{2C6A7D1E-C2F4-4D40-8E87-744E8525E5FD}"/>
+                </a:ext>
+              </a:extLst>
+            </p:cNvPr>
+            <p:cNvSpPr txBox="1"/>
+            <p:nvPr/>
+          </p:nvSpPr>
+          <p:spPr>
+            <a:xfrm>
+              <a:off x="4782979" y="6027198"/>
+              <a:ext cx="2626040" cy="307777"/>
+            </a:xfrm>
+            <a:prstGeom prst="rect">
+              <a:avLst/>
+            </a:prstGeom>
+            <a:noFill/>
+          </p:spPr>
+          <p:txBody>
+            <a:bodyPr wrap="none" rtlCol="0">
+              <a:spAutoFit/>
+            </a:bodyPr>
+            <a:lstStyle/>
+            <a:p>
+              <a:r>
+                <a:rPr lang="zh-CN" altLang="en-US" sz="1400" b="1" dirty="0"/>
+                <a:t>（</a:t>
+              </a:r>
+              <a:r>
+                <a:rPr lang="en-US" altLang="zh-CN" sz="1400" b="1" dirty="0"/>
+                <a:t>d</a:t>
+              </a:r>
+              <a:r>
+                <a:rPr lang="zh-CN" altLang="en-US" sz="1400" b="1" dirty="0"/>
+                <a:t>）使用部分能谱的聚类结果</a:t>
+              </a:r>
+            </a:p>
+          </p:txBody>
+        </p:sp>
+        <p:sp>
+          <p:nvSpPr>
+            <p:cNvPr id="7" name="文本框 6">
+              <a:extLst>
+                <a:ext uri="{FF2B5EF4-FFF2-40B4-BE49-F238E27FC236}">
+                  <a16:creationId xmlns:a16="http://schemas.microsoft.com/office/drawing/2014/main" id="{36DF064F-DCC6-45C3-986B-603486EBD7FB}"/>
+                </a:ext>
+              </a:extLst>
+            </p:cNvPr>
+            <p:cNvSpPr txBox="1"/>
+            <p:nvPr/>
+          </p:nvSpPr>
+          <p:spPr>
+            <a:xfrm>
+              <a:off x="4160212" y="6250975"/>
+              <a:ext cx="3871573" cy="307777"/>
+            </a:xfrm>
+            <a:prstGeom prst="rect">
+              <a:avLst/>
+            </a:prstGeom>
+            <a:noFill/>
+          </p:spPr>
+          <p:txBody>
+            <a:bodyPr wrap="none" rtlCol="0">
+              <a:spAutoFit/>
+            </a:bodyPr>
+            <a:lstStyle/>
+            <a:p>
+              <a:r>
+                <a:rPr lang="zh-CN" altLang="en-US" sz="1400" b="1" dirty="0"/>
+                <a:t>（</a:t>
+              </a:r>
+              <a:r>
+                <a:rPr lang="en-US" altLang="zh-CN" sz="1400" b="1" dirty="0"/>
+                <a:t>e</a:t>
+              </a:r>
+              <a:r>
+                <a:rPr lang="zh-CN" altLang="en-US" sz="1400" b="1" dirty="0"/>
+                <a:t>）使用部分能谱策略进一步优化后聚类结果</a:t>
+              </a:r>
+            </a:p>
+          </p:txBody>
+        </p:sp>
+      </p:grpSp>
     </p:spTree>
     <p:extLst>
       <p:ext uri="{BB962C8B-B14F-4D97-AF65-F5344CB8AC3E}">
@@ -4115,6 +4517,189 @@
           <a:chExt cx="0" cy="0"/>
         </a:xfrm>
       </p:grpSpPr>
+      <p:grpSp>
+        <p:nvGrpSpPr>
+          <p:cNvPr id="4" name="组合 3">
+            <a:extLst>
+              <a:ext uri="{FF2B5EF4-FFF2-40B4-BE49-F238E27FC236}">
+                <a16:creationId xmlns:a16="http://schemas.microsoft.com/office/drawing/2014/main" id="{16DC1219-CB7E-4FB9-81E0-42D18713D41E}"/>
+              </a:ext>
+            </a:extLst>
+          </p:cNvPr>
+          <p:cNvGrpSpPr/>
+          <p:nvPr/>
+        </p:nvGrpSpPr>
+        <p:grpSpPr>
+          <a:xfrm>
+            <a:off x="801922" y="285750"/>
+            <a:ext cx="10588155" cy="5352395"/>
+            <a:chOff x="801922" y="285750"/>
+            <a:chExt cx="10588155" cy="5352395"/>
+          </a:xfrm>
+        </p:grpSpPr>
+        <p:pic>
+          <p:nvPicPr>
+            <p:cNvPr id="2" name="图片 1">
+              <a:extLst>
+                <a:ext uri="{FF2B5EF4-FFF2-40B4-BE49-F238E27FC236}">
+                  <a16:creationId xmlns:a16="http://schemas.microsoft.com/office/drawing/2014/main" id="{656E0E2B-0822-44DC-BA1D-7A6B0581D054}"/>
+                </a:ext>
+              </a:extLst>
+            </p:cNvPr>
+            <p:cNvPicPr>
+              <a:picLocks noChangeAspect="1"/>
+            </p:cNvPicPr>
+            <p:nvPr/>
+          </p:nvPicPr>
+          <p:blipFill>
+            <a:blip r:embed="rId2"/>
+            <a:stretch>
+              <a:fillRect/>
+            </a:stretch>
+          </p:blipFill>
+          <p:spPr>
+            <a:xfrm>
+              <a:off x="1604962" y="285750"/>
+              <a:ext cx="8467725" cy="4829175"/>
+            </a:xfrm>
+            <a:prstGeom prst="rect">
+              <a:avLst/>
+            </a:prstGeom>
+          </p:spPr>
+        </p:pic>
+        <p:sp>
+          <p:nvSpPr>
+            <p:cNvPr id="3" name="文本框 2">
+              <a:extLst>
+                <a:ext uri="{FF2B5EF4-FFF2-40B4-BE49-F238E27FC236}">
+                  <a16:creationId xmlns:a16="http://schemas.microsoft.com/office/drawing/2014/main" id="{53AA02D2-BE83-471B-AF30-7C5C9CC97108}"/>
+                </a:ext>
+              </a:extLst>
+            </p:cNvPr>
+            <p:cNvSpPr txBox="1"/>
+            <p:nvPr/>
+          </p:nvSpPr>
+          <p:spPr>
+            <a:xfrm>
+              <a:off x="801922" y="5114925"/>
+              <a:ext cx="10588155" cy="523220"/>
+            </a:xfrm>
+            <a:prstGeom prst="rect">
+              <a:avLst/>
+            </a:prstGeom>
+            <a:noFill/>
+          </p:spPr>
+          <p:txBody>
+            <a:bodyPr wrap="none" rtlCol="0">
+              <a:spAutoFit/>
+            </a:bodyPr>
+            <a:lstStyle/>
+            <a:p>
+              <a:pPr algn="ctr"/>
+              <a:r>
+                <a:rPr lang="zh-CN" altLang="en-US" sz="1400" b="1" dirty="0"/>
+                <a:t>（</a:t>
+              </a:r>
+              <a:r>
+                <a:rPr lang="en-US" altLang="zh-CN" sz="1400" b="1" dirty="0"/>
+                <a:t>a</a:t>
+              </a:r>
+              <a:r>
+                <a:rPr lang="zh-CN" altLang="en-US" sz="1400" b="1" dirty="0"/>
+                <a:t>）、（</a:t>
+              </a:r>
+              <a:r>
+                <a:rPr lang="en-US" altLang="zh-CN" sz="1400" b="1" dirty="0"/>
+                <a:t>b</a:t>
+              </a:r>
+              <a:r>
+                <a:rPr lang="zh-CN" altLang="en-US" sz="1400" b="1" dirty="0"/>
+                <a:t>）、（</a:t>
+              </a:r>
+              <a:r>
+                <a:rPr lang="en-US" altLang="zh-CN" sz="1400" b="1" dirty="0"/>
+                <a:t>c</a:t>
+              </a:r>
+              <a:r>
+                <a:rPr lang="zh-CN" altLang="en-US" sz="1400" b="1" dirty="0"/>
+                <a:t>）分别是</a:t>
+              </a:r>
+              <a:r>
+                <a:rPr lang="en-US" altLang="zh-CN" sz="1400" b="1" dirty="0"/>
+                <a:t>500</a:t>
+              </a:r>
+              <a:r>
+                <a:rPr lang="zh-CN" altLang="en-US" sz="1400" b="1" dirty="0"/>
+                <a:t>、</a:t>
+              </a:r>
+              <a:r>
+                <a:rPr lang="en-US" altLang="zh-CN" sz="1400" b="1" dirty="0"/>
+                <a:t>600</a:t>
+              </a:r>
+              <a:r>
+                <a:rPr lang="zh-CN" altLang="en-US" sz="1400" b="1" dirty="0"/>
+                <a:t>、</a:t>
+              </a:r>
+              <a:r>
+                <a:rPr lang="en-US" altLang="zh-CN" sz="1400" b="1" dirty="0"/>
+                <a:t>700</a:t>
+              </a:r>
+              <a:r>
+                <a:rPr lang="zh-CN" altLang="en-US" sz="1400" b="1" dirty="0"/>
+                <a:t>℃下热处理后的材料芯片构建的成分相图（蓝点，</a:t>
+              </a:r>
+              <a:r>
+                <a:rPr lang="en-US" altLang="zh-CN" sz="1400" b="1" dirty="0"/>
+                <a:t>bcc</a:t>
+              </a:r>
+              <a:r>
+                <a:rPr lang="zh-CN" altLang="en-US" sz="1400" b="1" dirty="0"/>
+                <a:t>；红点，</a:t>
+              </a:r>
+              <a:r>
+                <a:rPr lang="en-US" altLang="zh-CN" sz="1400" b="1" dirty="0" err="1"/>
+                <a:t>bcc+fcc</a:t>
+              </a:r>
+              <a:r>
+                <a:rPr lang="zh-CN" altLang="en-US" sz="1400" b="1" dirty="0"/>
+                <a:t>；黑点，</a:t>
+              </a:r>
+              <a:r>
+                <a:rPr lang="en-US" altLang="zh-CN" sz="1400" b="1" dirty="0" err="1"/>
+                <a:t>fcc</a:t>
+              </a:r>
+              <a:r>
+                <a:rPr lang="zh-CN" altLang="en-US" sz="1400" b="1" dirty="0"/>
+                <a:t>）。</a:t>
+              </a:r>
+              <a:endParaRPr lang="en-US" altLang="zh-CN" sz="1400" b="1" dirty="0"/>
+            </a:p>
+            <a:p>
+              <a:pPr algn="ctr"/>
+              <a:r>
+                <a:rPr lang="zh-CN" altLang="en-US" sz="1400" b="1" dirty="0"/>
+                <a:t>（</a:t>
+              </a:r>
+              <a:r>
+                <a:rPr lang="en-US" altLang="zh-CN" sz="1400" b="1" dirty="0"/>
+                <a:t>d-f</a:t>
+              </a:r>
+              <a:r>
+                <a:rPr lang="zh-CN" altLang="en-US" sz="1400" b="1" dirty="0"/>
+                <a:t>）分别是</a:t>
+              </a:r>
+              <a:r>
+                <a:rPr lang="en-US" altLang="zh-CN" sz="1400" b="1" dirty="0"/>
+                <a:t>ASM</a:t>
+              </a:r>
+              <a:r>
+                <a:rPr lang="zh-CN" altLang="en-US" sz="1400" b="1" dirty="0"/>
+                <a:t>相图数据库对应温度下的相图</a:t>
+              </a:r>
+            </a:p>
+          </p:txBody>
+        </p:sp>
+      </p:grpSp>
     </p:spTree>
     <p:extLst>
       <p:ext uri="{BB962C8B-B14F-4D97-AF65-F5344CB8AC3E}">
